--- a/Business Canvas Model/Business canvas model.pptx
+++ b/Business Canvas Model/Business canvas model.pptx
@@ -8709,18 +8709,20 @@
         </p:nvSpPr>
         <p:spPr/>
         <p:txBody>
-          <a:bodyPr/>
+          <a:bodyPr>
+            <a:normAutofit/>
+          </a:bodyPr>
           <a:lstStyle/>
           <a:p>
             <a:r>
-              <a:rPr lang="sv-SE" dirty="0"/>
+              <a:rPr lang="sv-SE" sz="4800" dirty="0"/>
               <a:t>Revenue </a:t>
             </a:r>
             <a:r>
-              <a:rPr lang="sv-SE" dirty="0" err="1"/>
+              <a:rPr lang="sv-SE" sz="4800" dirty="0" err="1"/>
               <a:t>Streams</a:t>
             </a:r>
-            <a:endParaRPr lang="sv-SE" dirty="0"/>
+            <a:endParaRPr lang="sv-SE" sz="4800" dirty="0"/>
           </a:p>
         </p:txBody>
       </p:sp>
@@ -8876,6 +8878,36 @@
             </a:r>
           </a:p>
           <a:p>
+            <a:pPr marL="742950" lvl="1" indent="-285750">
+              <a:buFont typeface="Arial" panose="020B0604020202020204" pitchFamily="34" charset="0"/>
+              <a:buChar char="•"/>
+            </a:pPr>
+            <a:r>
+              <a:rPr lang="sv-SE" dirty="0"/>
+              <a:t>Anställda, inhyrda</a:t>
+            </a:r>
+          </a:p>
+          <a:p>
+            <a:pPr marL="742950" lvl="1" indent="-285750">
+              <a:buFont typeface="Arial" panose="020B0604020202020204" pitchFamily="34" charset="0"/>
+              <a:buChar char="•"/>
+            </a:pPr>
+            <a:r>
+              <a:rPr lang="sv-SE" dirty="0"/>
+              <a:t>Kunden</a:t>
+            </a:r>
+          </a:p>
+          <a:p>
+            <a:pPr marL="742950" lvl="1" indent="-285750">
+              <a:buFont typeface="Arial" panose="020B0604020202020204" pitchFamily="34" charset="0"/>
+              <a:buChar char="•"/>
+            </a:pPr>
+            <a:r>
+              <a:rPr lang="sv-SE" dirty="0"/>
+              <a:t>Slutanvändarna</a:t>
+            </a:r>
+          </a:p>
+          <a:p>
             <a:pPr marL="285750" indent="-285750">
               <a:buFont typeface="Arial" panose="020B0604020202020204" pitchFamily="34" charset="0"/>
               <a:buChar char="•"/>
@@ -8898,59 +8930,74 @@
             </a:r>
           </a:p>
           <a:p>
-            <a:pPr marL="285750" indent="-285750">
+            <a:pPr marL="742950" lvl="1" indent="-285750">
               <a:buFont typeface="Arial" panose="020B0604020202020204" pitchFamily="34" charset="0"/>
               <a:buChar char="•"/>
             </a:pPr>
             <a:r>
               <a:rPr lang="sv-SE" dirty="0"/>
-              <a:t>Vilka </a:t>
-            </a:r>
-            <a:r>
-              <a:rPr lang="sv-SE" dirty="0" err="1"/>
-              <a:t>key</a:t>
-            </a:r>
-            <a:r>
-              <a:rPr lang="sv-SE" dirty="0"/>
-              <a:t> </a:t>
-            </a:r>
-            <a:r>
-              <a:rPr lang="sv-SE" dirty="0" err="1"/>
-              <a:t>resources</a:t>
-            </a:r>
-            <a:r>
-              <a:rPr lang="sv-SE" dirty="0"/>
-              <a:t> får vi av dem?</a:t>
-            </a:r>
-          </a:p>
-          <a:p>
-            <a:pPr marL="285750" indent="-285750">
+              <a:t>Ägarna av servern</a:t>
+            </a:r>
+          </a:p>
+          <a:p>
+            <a:pPr marL="742950" lvl="1" indent="-285750">
               <a:buFont typeface="Arial" panose="020B0604020202020204" pitchFamily="34" charset="0"/>
               <a:buChar char="•"/>
             </a:pPr>
             <a:r>
               <a:rPr lang="sv-SE" dirty="0"/>
-              <a:t>Vilka </a:t>
-            </a:r>
-            <a:r>
-              <a:rPr lang="sv-SE" dirty="0" err="1"/>
-              <a:t>key</a:t>
-            </a:r>
-            <a:r>
-              <a:rPr lang="sv-SE" dirty="0"/>
-              <a:t> </a:t>
-            </a:r>
-            <a:r>
-              <a:rPr lang="sv-SE" dirty="0" err="1"/>
-              <a:t>activities</a:t>
-            </a:r>
-            <a:r>
-              <a:rPr lang="sv-SE" dirty="0"/>
-              <a:t> utför dem?</a:t>
-            </a:r>
-          </a:p>
-        </p:txBody>
-      </p:sp>
+              <a:t>Marknadsföringsplattformar</a:t>
+            </a:r>
+          </a:p>
+        </p:txBody>
+      </p:sp>
+      <p:pic>
+        <p:nvPicPr>
+          <p:cNvPr id="1026" name="Picture 2">
+            <a:extLst>
+              <a:ext uri="{FF2B5EF4-FFF2-40B4-BE49-F238E27FC236}">
+                <a16:creationId xmlns:a16="http://schemas.microsoft.com/office/drawing/2014/main" id="{90CCBB66-BDE8-482F-B952-A367E3CCCA12}"/>
+              </a:ext>
+            </a:extLst>
+          </p:cNvPr>
+          <p:cNvPicPr>
+            <a:picLocks noChangeAspect="1" noChangeArrowheads="1"/>
+          </p:cNvPicPr>
+          <p:nvPr/>
+        </p:nvPicPr>
+        <p:blipFill>
+          <a:blip r:embed="rId2">
+            <a:extLst>
+              <a:ext uri="{28A0092B-C50C-407E-A947-70E740481C1C}">
+                <a14:useLocalDpi xmlns:a14="http://schemas.microsoft.com/office/drawing/2010/main" val="0"/>
+              </a:ext>
+            </a:extLst>
+          </a:blip>
+          <a:srcRect/>
+          <a:stretch>
+            <a:fillRect/>
+          </a:stretch>
+        </p:blipFill>
+        <p:spPr bwMode="auto">
+          <a:xfrm>
+            <a:off x="4433610" y="1750061"/>
+            <a:ext cx="6604691" cy="2774314"/>
+          </a:xfrm>
+          <a:prstGeom prst="rect">
+            <a:avLst/>
+          </a:prstGeom>
+          <a:noFill/>
+          <a:extLst>
+            <a:ext uri="{909E8E84-426E-40DD-AFC4-6F175D3DCCD1}">
+              <a14:hiddenFill xmlns:a14="http://schemas.microsoft.com/office/drawing/2010/main">
+                <a:solidFill>
+                  <a:srgbClr val="FFFFFF"/>
+                </a:solidFill>
+              </a14:hiddenFill>
+            </a:ext>
+          </a:extLst>
+        </p:spPr>
+      </p:pic>
     </p:spTree>
     <p:extLst>
       <p:ext uri="{BB962C8B-B14F-4D97-AF65-F5344CB8AC3E}">
@@ -8999,22 +9046,24 @@
         </p:nvSpPr>
         <p:spPr/>
         <p:txBody>
-          <a:bodyPr/>
+          <a:bodyPr>
+            <a:normAutofit/>
+          </a:bodyPr>
           <a:lstStyle/>
           <a:p>
             <a:r>
-              <a:rPr lang="sv-SE" dirty="0" err="1"/>
+              <a:rPr lang="sv-SE" sz="4800" dirty="0" err="1"/>
               <a:t>Key</a:t>
             </a:r>
             <a:r>
-              <a:rPr lang="sv-SE" dirty="0"/>
+              <a:rPr lang="sv-SE" sz="4800" dirty="0"/>
               <a:t> </a:t>
             </a:r>
             <a:r>
-              <a:rPr lang="sv-SE" dirty="0" err="1"/>
+              <a:rPr lang="sv-SE" sz="4800" dirty="0" err="1"/>
               <a:t>Activities</a:t>
             </a:r>
-            <a:endParaRPr lang="sv-SE" dirty="0"/>
+            <a:endParaRPr lang="sv-SE" sz="4800" dirty="0"/>
           </a:p>
         </p:txBody>
       </p:sp>
@@ -9086,6 +9135,27 @@
             </a:r>
           </a:p>
           <a:p>
+            <a:pPr marL="1200150" lvl="2" indent="-285750">
+              <a:buFont typeface="Arial" panose="020B0604020202020204" pitchFamily="34" charset="0"/>
+              <a:buChar char="•"/>
+            </a:pPr>
+            <a:r>
+              <a:rPr lang="sv-SE" dirty="0" err="1"/>
+              <a:t>Prorammera</a:t>
+            </a:r>
+            <a:endParaRPr lang="sv-SE" dirty="0"/>
+          </a:p>
+          <a:p>
+            <a:pPr marL="1200150" lvl="2" indent="-285750">
+              <a:buFont typeface="Arial" panose="020B0604020202020204" pitchFamily="34" charset="0"/>
+              <a:buChar char="•"/>
+            </a:pPr>
+            <a:r>
+              <a:rPr lang="sv-SE" dirty="0"/>
+              <a:t>Testa</a:t>
+            </a:r>
+          </a:p>
+          <a:p>
             <a:pPr marL="742950" lvl="1" indent="-285750">
               <a:buFont typeface="Arial" panose="020B0604020202020204" pitchFamily="34" charset="0"/>
               <a:buChar char="•"/>
@@ -9096,31 +9166,84 @@
             </a:r>
           </a:p>
           <a:p>
+            <a:pPr marL="1200150" lvl="2" indent="-285750">
+              <a:buFont typeface="Arial" panose="020B0604020202020204" pitchFamily="34" charset="0"/>
+              <a:buChar char="•"/>
+            </a:pPr>
+            <a:r>
+              <a:rPr lang="sv-SE" dirty="0"/>
+              <a:t>Marknadsföra</a:t>
+            </a:r>
+          </a:p>
+          <a:p>
             <a:pPr marL="742950" lvl="1" indent="-285750">
               <a:buFont typeface="Arial" panose="020B0604020202020204" pitchFamily="34" charset="0"/>
               <a:buChar char="•"/>
             </a:pPr>
             <a:r>
-              <a:rPr lang="sv-SE" dirty="0" err="1"/>
-              <a:t>Customer</a:t>
-            </a:r>
-            <a:r>
               <a:rPr lang="sv-SE" dirty="0"/>
-              <a:t> relationships?</a:t>
-            </a:r>
-          </a:p>
-          <a:p>
-            <a:pPr marL="742950" lvl="1" indent="-285750">
+              <a:t>Intäkter?</a:t>
+            </a:r>
+          </a:p>
+          <a:p>
+            <a:pPr marL="1200150" lvl="2" indent="-285750">
               <a:buFont typeface="Arial" panose="020B0604020202020204" pitchFamily="34" charset="0"/>
               <a:buChar char="•"/>
             </a:pPr>
             <a:r>
               <a:rPr lang="sv-SE" dirty="0"/>
-              <a:t>Intäkter?</a:t>
-            </a:r>
-          </a:p>
-        </p:txBody>
-      </p:sp>
+              <a:t>Sälja</a:t>
+            </a:r>
+          </a:p>
+        </p:txBody>
+      </p:sp>
+      <p:pic>
+        <p:nvPicPr>
+          <p:cNvPr id="2058" name="Picture 10" descr="How using checklists in Jira can help your team be more Agile">
+            <a:extLst>
+              <a:ext uri="{FF2B5EF4-FFF2-40B4-BE49-F238E27FC236}">
+                <a16:creationId xmlns:a16="http://schemas.microsoft.com/office/drawing/2014/main" id="{23235CA5-4B65-439B-926A-64208DAA89AD}"/>
+              </a:ext>
+            </a:extLst>
+          </p:cNvPr>
+          <p:cNvPicPr>
+            <a:picLocks noChangeAspect="1" noChangeArrowheads="1"/>
+          </p:cNvPicPr>
+          <p:nvPr/>
+        </p:nvPicPr>
+        <p:blipFill>
+          <a:blip r:embed="rId2">
+            <a:extLst>
+              <a:ext uri="{28A0092B-C50C-407E-A947-70E740481C1C}">
+                <a14:useLocalDpi xmlns:a14="http://schemas.microsoft.com/office/drawing/2010/main" val="0"/>
+              </a:ext>
+            </a:extLst>
+          </a:blip>
+          <a:srcRect/>
+          <a:stretch>
+            <a:fillRect/>
+          </a:stretch>
+        </p:blipFill>
+        <p:spPr bwMode="auto">
+          <a:xfrm>
+            <a:off x="4000500" y="1534160"/>
+            <a:ext cx="7400925" cy="3700463"/>
+          </a:xfrm>
+          <a:prstGeom prst="rect">
+            <a:avLst/>
+          </a:prstGeom>
+          <a:noFill/>
+          <a:extLst>
+            <a:ext uri="{909E8E84-426E-40DD-AFC4-6F175D3DCCD1}">
+              <a14:hiddenFill xmlns:a14="http://schemas.microsoft.com/office/drawing/2010/main">
+                <a:solidFill>
+                  <a:srgbClr val="FFFFFF"/>
+                </a:solidFill>
+              </a14:hiddenFill>
+            </a:ext>
+          </a:extLst>
+        </p:spPr>
+      </p:pic>
     </p:spTree>
     <p:extLst>
       <p:ext uri="{BB962C8B-B14F-4D97-AF65-F5344CB8AC3E}">
@@ -9169,15 +9292,17 @@
         </p:nvSpPr>
         <p:spPr/>
         <p:txBody>
-          <a:bodyPr/>
+          <a:bodyPr>
+            <a:normAutofit/>
+          </a:bodyPr>
           <a:lstStyle/>
           <a:p>
             <a:r>
-              <a:rPr lang="sv-SE" dirty="0" err="1"/>
+              <a:rPr lang="sv-SE" sz="4800" dirty="0" err="1"/>
               <a:t>Key</a:t>
             </a:r>
             <a:r>
-              <a:rPr lang="sv-SE" dirty="0"/>
+              <a:rPr lang="sv-SE" sz="4800" dirty="0"/>
               <a:t> Resources</a:t>
             </a:r>
           </a:p>
@@ -9251,6 +9376,36 @@
             </a:r>
           </a:p>
           <a:p>
+            <a:pPr marL="1200150" lvl="2" indent="-285750">
+              <a:buFont typeface="Arial" panose="020B0604020202020204" pitchFamily="34" charset="0"/>
+              <a:buChar char="•"/>
+            </a:pPr>
+            <a:r>
+              <a:rPr lang="sv-SE" dirty="0"/>
+              <a:t>Datorer</a:t>
+            </a:r>
+          </a:p>
+          <a:p>
+            <a:pPr marL="1200150" lvl="2" indent="-285750">
+              <a:buFont typeface="Arial" panose="020B0604020202020204" pitchFamily="34" charset="0"/>
+              <a:buChar char="•"/>
+            </a:pPr>
+            <a:r>
+              <a:rPr lang="sv-SE" dirty="0"/>
+              <a:t>Server</a:t>
+            </a:r>
+          </a:p>
+          <a:p>
+            <a:pPr marL="1200150" lvl="2" indent="-285750">
+              <a:buFont typeface="Arial" panose="020B0604020202020204" pitchFamily="34" charset="0"/>
+              <a:buChar char="•"/>
+            </a:pPr>
+            <a:r>
+              <a:rPr lang="sv-SE" dirty="0"/>
+              <a:t>Eventuell konsultering</a:t>
+            </a:r>
+          </a:p>
+          <a:p>
             <a:pPr marL="742950" lvl="1" indent="-285750">
               <a:buFont typeface="Arial" panose="020B0604020202020204" pitchFamily="34" charset="0"/>
               <a:buChar char="•"/>
@@ -9261,31 +9416,84 @@
             </a:r>
           </a:p>
           <a:p>
+            <a:pPr marL="1200150" lvl="2" indent="-285750">
+              <a:buFont typeface="Arial" panose="020B0604020202020204" pitchFamily="34" charset="0"/>
+              <a:buChar char="•"/>
+            </a:pPr>
+            <a:r>
+              <a:rPr lang="sv-SE" dirty="0"/>
+              <a:t>Marknadsföringsplattformar</a:t>
+            </a:r>
+          </a:p>
+          <a:p>
             <a:pPr marL="742950" lvl="1" indent="-285750">
               <a:buFont typeface="Arial" panose="020B0604020202020204" pitchFamily="34" charset="0"/>
               <a:buChar char="•"/>
             </a:pPr>
             <a:r>
-              <a:rPr lang="sv-SE" dirty="0" err="1"/>
-              <a:t>Customer</a:t>
-            </a:r>
-            <a:r>
               <a:rPr lang="sv-SE" dirty="0"/>
-              <a:t> relationships?</a:t>
-            </a:r>
-          </a:p>
-          <a:p>
-            <a:pPr marL="742950" lvl="1" indent="-285750">
+              <a:t>Intäkter?</a:t>
+            </a:r>
+          </a:p>
+          <a:p>
+            <a:pPr marL="1200150" lvl="2" indent="-285750">
               <a:buFont typeface="Arial" panose="020B0604020202020204" pitchFamily="34" charset="0"/>
               <a:buChar char="•"/>
             </a:pPr>
             <a:r>
               <a:rPr lang="sv-SE" dirty="0"/>
-              <a:t>Intäkter?</a:t>
-            </a:r>
-          </a:p>
-        </p:txBody>
-      </p:sp>
+              <a:t>Prenumerationstjänst</a:t>
+            </a:r>
+          </a:p>
+        </p:txBody>
+      </p:sp>
+      <p:pic>
+        <p:nvPicPr>
+          <p:cNvPr id="3078" name="Picture 6" descr="Sharing Resources using Wikis – TELU">
+            <a:extLst>
+              <a:ext uri="{FF2B5EF4-FFF2-40B4-BE49-F238E27FC236}">
+                <a16:creationId xmlns:a16="http://schemas.microsoft.com/office/drawing/2014/main" id="{5E52A693-987C-44CE-8E14-79AE86F44771}"/>
+              </a:ext>
+            </a:extLst>
+          </p:cNvPr>
+          <p:cNvPicPr>
+            <a:picLocks noChangeAspect="1" noChangeArrowheads="1"/>
+          </p:cNvPicPr>
+          <p:nvPr/>
+        </p:nvPicPr>
+        <p:blipFill>
+          <a:blip r:embed="rId2">
+            <a:extLst>
+              <a:ext uri="{28A0092B-C50C-407E-A947-70E740481C1C}">
+                <a14:useLocalDpi xmlns:a14="http://schemas.microsoft.com/office/drawing/2010/main" val="0"/>
+              </a:ext>
+            </a:extLst>
+          </a:blip>
+          <a:srcRect/>
+          <a:stretch>
+            <a:fillRect/>
+          </a:stretch>
+        </p:blipFill>
+        <p:spPr bwMode="auto">
+          <a:xfrm>
+            <a:off x="5286375" y="1492804"/>
+            <a:ext cx="4486275" cy="4083211"/>
+          </a:xfrm>
+          <a:prstGeom prst="rect">
+            <a:avLst/>
+          </a:prstGeom>
+          <a:noFill/>
+          <a:extLst>
+            <a:ext uri="{909E8E84-426E-40DD-AFC4-6F175D3DCCD1}">
+              <a14:hiddenFill xmlns:a14="http://schemas.microsoft.com/office/drawing/2010/main">
+                <a:solidFill>
+                  <a:srgbClr val="FFFFFF"/>
+                </a:solidFill>
+              </a14:hiddenFill>
+            </a:ext>
+          </a:extLst>
+        </p:spPr>
+      </p:pic>
     </p:spTree>
     <p:extLst>
       <p:ext uri="{BB962C8B-B14F-4D97-AF65-F5344CB8AC3E}">
@@ -9334,15 +9542,17 @@
         </p:nvSpPr>
         <p:spPr/>
         <p:txBody>
-          <a:bodyPr/>
+          <a:bodyPr>
+            <a:normAutofit/>
+          </a:bodyPr>
           <a:lstStyle/>
           <a:p>
             <a:r>
-              <a:rPr lang="sv-SE" dirty="0" err="1"/>
+              <a:rPr lang="sv-SE" sz="4800" dirty="0" err="1"/>
               <a:t>Value</a:t>
             </a:r>
             <a:r>
-              <a:rPr lang="sv-SE" dirty="0"/>
+              <a:rPr lang="sv-SE" sz="4800" dirty="0"/>
               <a:t> Propositions</a:t>
             </a:r>
           </a:p>
@@ -9446,15 +9656,17 @@
         </p:nvSpPr>
         <p:spPr/>
         <p:txBody>
-          <a:bodyPr/>
+          <a:bodyPr>
+            <a:normAutofit/>
+          </a:bodyPr>
           <a:lstStyle/>
           <a:p>
             <a:r>
-              <a:rPr lang="sv-SE" dirty="0" err="1"/>
+              <a:rPr lang="sv-SE" sz="4800" dirty="0" err="1"/>
               <a:t>Customer</a:t>
             </a:r>
             <a:r>
-              <a:rPr lang="sv-SE" dirty="0"/>
+              <a:rPr lang="sv-SE" sz="4800" dirty="0"/>
               <a:t> Relationships</a:t>
             </a:r>
           </a:p>
@@ -9558,15 +9770,17 @@
         </p:nvSpPr>
         <p:spPr/>
         <p:txBody>
-          <a:bodyPr/>
+          <a:bodyPr>
+            <a:normAutofit/>
+          </a:bodyPr>
           <a:lstStyle/>
           <a:p>
             <a:r>
-              <a:rPr lang="sv-SE" dirty="0" err="1"/>
+              <a:rPr lang="sv-SE" sz="4800" dirty="0" err="1"/>
               <a:t>Customer</a:t>
             </a:r>
             <a:r>
-              <a:rPr lang="sv-SE" dirty="0"/>
+              <a:rPr lang="sv-SE" sz="4800" dirty="0"/>
               <a:t> Segments</a:t>
             </a:r>
           </a:p>
@@ -9670,11 +9884,13 @@
         </p:nvSpPr>
         <p:spPr/>
         <p:txBody>
-          <a:bodyPr/>
+          <a:bodyPr>
+            <a:normAutofit/>
+          </a:bodyPr>
           <a:lstStyle/>
           <a:p>
             <a:r>
-              <a:rPr lang="sv-SE" dirty="0"/>
+              <a:rPr lang="sv-SE" sz="4800" dirty="0"/>
               <a:t>Channels</a:t>
             </a:r>
           </a:p>
@@ -9778,22 +9994,24 @@
         </p:nvSpPr>
         <p:spPr/>
         <p:txBody>
-          <a:bodyPr/>
+          <a:bodyPr>
+            <a:normAutofit/>
+          </a:bodyPr>
           <a:lstStyle/>
           <a:p>
             <a:r>
-              <a:rPr lang="sv-SE" dirty="0" err="1"/>
+              <a:rPr lang="sv-SE" sz="4800" dirty="0" err="1"/>
               <a:t>Cost</a:t>
             </a:r>
             <a:r>
-              <a:rPr lang="sv-SE" dirty="0"/>
+              <a:rPr lang="sv-SE" sz="4800" dirty="0"/>
               <a:t> </a:t>
             </a:r>
             <a:r>
-              <a:rPr lang="sv-SE" dirty="0" err="1"/>
+              <a:rPr lang="sv-SE" sz="4800" dirty="0" err="1"/>
               <a:t>Structure</a:t>
             </a:r>
-            <a:endParaRPr lang="sv-SE" dirty="0"/>
+            <a:endParaRPr lang="sv-SE" sz="4800" dirty="0"/>
           </a:p>
         </p:txBody>
       </p:sp>

--- a/Business Canvas Model/Business canvas model.pptx
+++ b/Business Canvas Model/Business canvas model.pptx
@@ -286,7 +286,7 @@
           <a:p>
             <a:fld id="{72EA7947-E287-4738-8C82-07CE4F01EF03}" type="datetime2">
               <a:rPr lang="en-US" smtClean="0"/>
-              <a:t>Monday, December 13, 2021</a:t>
+              <a:t>Tuesday, December 14, 2021</a:t>
             </a:fld>
             <a:endParaRPr lang="en-US" dirty="0"/>
           </a:p>
@@ -1322,7 +1322,7 @@
           <a:p>
             <a:fld id="{EE2EBD84-71F4-4271-8C46-0D47C0A9B12E}" type="datetime2">
               <a:rPr lang="en-US" smtClean="0"/>
-              <a:t>Monday, December 13, 2021</a:t>
+              <a:t>Tuesday, December 14, 2021</a:t>
             </a:fld>
             <a:endParaRPr lang="en-US"/>
           </a:p>
@@ -1533,7 +1533,7 @@
           <a:p>
             <a:fld id="{ABAE0CE1-F450-4107-B2CB-17B18F8A3F4A}" type="datetime2">
               <a:rPr lang="en-US" smtClean="0"/>
-              <a:t>Monday, December 13, 2021</a:t>
+              <a:t>Tuesday, December 14, 2021</a:t>
             </a:fld>
             <a:endParaRPr lang="en-US"/>
           </a:p>
@@ -2198,7 +2198,7 @@
           <a:p>
             <a:fld id="{6FE8C025-CD7A-4966-867E-81CF82B15267}" type="datetime2">
               <a:rPr lang="en-US" smtClean="0"/>
-              <a:t>Monday, December 13, 2021</a:t>
+              <a:t>Tuesday, December 14, 2021</a:t>
             </a:fld>
             <a:endParaRPr lang="en-US"/>
           </a:p>
@@ -2818,7 +2818,7 @@
           <a:p>
             <a:fld id="{FE809929-0719-4517-94D6-FDF7F99E70F6}" type="datetime2">
               <a:rPr lang="en-US" smtClean="0"/>
-              <a:t>Monday, December 13, 2021</a:t>
+              <a:t>Tuesday, December 14, 2021</a:t>
             </a:fld>
             <a:endParaRPr lang="en-US"/>
           </a:p>
@@ -3936,7 +3936,7 @@
           <a:p>
             <a:fld id="{20E95673-5512-4AAA-9AEB-E00C61EC65D5}" type="datetime2">
               <a:rPr lang="en-US" smtClean="0"/>
-              <a:t>Monday, December 13, 2021</a:t>
+              <a:t>Tuesday, December 14, 2021</a:t>
             </a:fld>
             <a:endParaRPr lang="en-US"/>
           </a:p>
@@ -4483,7 +4483,7 @@
           <a:p>
             <a:fld id="{C13138FA-2E87-4873-8BBA-13E447C9A99A}" type="datetime2">
               <a:rPr lang="en-US" smtClean="0"/>
-              <a:t>Monday, December 13, 2021</a:t>
+              <a:t>Tuesday, December 14, 2021</a:t>
             </a:fld>
             <a:endParaRPr lang="en-US"/>
           </a:p>
@@ -4644,7 +4644,7 @@
           <a:p>
             <a:fld id="{D75BB40A-97BD-4BFB-B639-0BFF95FDE8B7}" type="datetime2">
               <a:rPr lang="en-US" smtClean="0"/>
-              <a:t>Monday, December 13, 2021</a:t>
+              <a:t>Tuesday, December 14, 2021</a:t>
             </a:fld>
             <a:endParaRPr lang="en-US"/>
           </a:p>
@@ -5679,7 +5679,7 @@
           <a:p>
             <a:fld id="{9EE9E0E3-ECF6-4CFE-8698-AEFEBCECC3C0}" type="datetime2">
               <a:rPr lang="en-US" smtClean="0"/>
-              <a:t>Monday, December 13, 2021</a:t>
+              <a:t>Tuesday, December 14, 2021</a:t>
             </a:fld>
             <a:endParaRPr lang="en-US"/>
           </a:p>
@@ -6325,7 +6325,7 @@
           <a:p>
             <a:fld id="{251462FC-960E-4740-921F-B36862979F21}" type="datetime2">
               <a:rPr lang="en-US" smtClean="0"/>
-              <a:t>Monday, December 13, 2021</a:t>
+              <a:t>Tuesday, December 14, 2021</a:t>
             </a:fld>
             <a:endParaRPr lang="en-US"/>
           </a:p>
@@ -7089,7 +7089,7 @@
           <a:p>
             <a:fld id="{E50BC9E2-CB44-4C05-9BB5-496C18A241E0}" type="datetime2">
               <a:rPr lang="en-US" smtClean="0"/>
-              <a:t>Monday, December 13, 2021</a:t>
+              <a:t>Tuesday, December 14, 2021</a:t>
             </a:fld>
             <a:endParaRPr lang="en-US"/>
           </a:p>
@@ -7342,7 +7342,7 @@
           <a:p>
             <a:fld id="{246CB39B-5F4C-4A7E-9BE3-AAFD45576D16}" type="datetime2">
               <a:rPr lang="en-US" smtClean="0"/>
-              <a:t>Monday, December 13, 2021</a:t>
+              <a:t>Tuesday, December 14, 2021</a:t>
             </a:fld>
             <a:endParaRPr lang="en-US" dirty="0"/>
           </a:p>
@@ -8946,6 +8946,16 @@
             </a:pPr>
             <a:r>
               <a:rPr lang="sv-SE" dirty="0"/>
+              <a:t>Internetleverantörer</a:t>
+            </a:r>
+          </a:p>
+          <a:p>
+            <a:pPr marL="742950" lvl="1" indent="-285750">
+              <a:buFont typeface="Arial" panose="020B0604020202020204" pitchFamily="34" charset="0"/>
+              <a:buChar char="•"/>
+            </a:pPr>
+            <a:r>
+              <a:rPr lang="sv-SE" dirty="0"/>
               <a:t>Marknadsföringsplattformar</a:t>
             </a:r>
           </a:p>
@@ -9101,98 +9111,37 @@
             </a:pPr>
             <a:r>
               <a:rPr lang="sv-SE" dirty="0"/>
-              <a:t>Vilka </a:t>
-            </a:r>
-            <a:r>
-              <a:rPr lang="sv-SE" dirty="0" err="1"/>
-              <a:t>key</a:t>
-            </a:r>
-            <a:r>
-              <a:rPr lang="sv-SE" dirty="0"/>
-              <a:t> </a:t>
-            </a:r>
-            <a:r>
-              <a:rPr lang="sv-SE" dirty="0" err="1"/>
-              <a:t>activities</a:t>
-            </a:r>
-            <a:r>
-              <a:rPr lang="sv-SE" dirty="0"/>
-              <a:t> kräver vår:</a:t>
-            </a:r>
-          </a:p>
-          <a:p>
-            <a:pPr marL="742950" lvl="1" indent="-285750">
+              <a:t>Utveckling</a:t>
+            </a:r>
+          </a:p>
+          <a:p>
+            <a:pPr marL="285750" indent="-285750">
               <a:buFont typeface="Arial" panose="020B0604020202020204" pitchFamily="34" charset="0"/>
               <a:buChar char="•"/>
             </a:pPr>
             <a:r>
-              <a:rPr lang="sv-SE" dirty="0" err="1"/>
-              <a:t>Value</a:t>
-            </a:r>
-            <a:r>
               <a:rPr lang="sv-SE" dirty="0"/>
-              <a:t> Proposition?</a:t>
-            </a:r>
-          </a:p>
-          <a:p>
-            <a:pPr marL="1200150" lvl="2" indent="-285750">
+              <a:t>Statistikföring</a:t>
+            </a:r>
+          </a:p>
+          <a:p>
+            <a:pPr marL="285750" indent="-285750">
               <a:buFont typeface="Arial" panose="020B0604020202020204" pitchFamily="34" charset="0"/>
               <a:buChar char="•"/>
             </a:pPr>
             <a:r>
-              <a:rPr lang="sv-SE" dirty="0" err="1"/>
-              <a:t>Prorammera</a:t>
-            </a:r>
-            <a:endParaRPr lang="sv-SE" dirty="0"/>
-          </a:p>
-          <a:p>
-            <a:pPr marL="1200150" lvl="2" indent="-285750">
+              <a:rPr lang="sv-SE" dirty="0"/>
+              <a:t>Marknadsföring</a:t>
+            </a:r>
+          </a:p>
+          <a:p>
+            <a:pPr marL="285750" indent="-285750">
               <a:buFont typeface="Arial" panose="020B0604020202020204" pitchFamily="34" charset="0"/>
               <a:buChar char="•"/>
             </a:pPr>
             <a:r>
               <a:rPr lang="sv-SE" dirty="0"/>
-              <a:t>Testa</a:t>
-            </a:r>
-          </a:p>
-          <a:p>
-            <a:pPr marL="742950" lvl="1" indent="-285750">
-              <a:buFont typeface="Arial" panose="020B0604020202020204" pitchFamily="34" charset="0"/>
-              <a:buChar char="•"/>
-            </a:pPr>
-            <a:r>
-              <a:rPr lang="sv-SE" dirty="0"/>
-              <a:t>Distributionskanal?</a:t>
-            </a:r>
-          </a:p>
-          <a:p>
-            <a:pPr marL="1200150" lvl="2" indent="-285750">
-              <a:buFont typeface="Arial" panose="020B0604020202020204" pitchFamily="34" charset="0"/>
-              <a:buChar char="•"/>
-            </a:pPr>
-            <a:r>
-              <a:rPr lang="sv-SE" dirty="0"/>
-              <a:t>Marknadsföra</a:t>
-            </a:r>
-          </a:p>
-          <a:p>
-            <a:pPr marL="742950" lvl="1" indent="-285750">
-              <a:buFont typeface="Arial" panose="020B0604020202020204" pitchFamily="34" charset="0"/>
-              <a:buChar char="•"/>
-            </a:pPr>
-            <a:r>
-              <a:rPr lang="sv-SE" dirty="0"/>
-              <a:t>Intäkter?</a:t>
-            </a:r>
-          </a:p>
-          <a:p>
-            <a:pPr marL="1200150" lvl="2" indent="-285750">
-              <a:buFont typeface="Arial" panose="020B0604020202020204" pitchFamily="34" charset="0"/>
-              <a:buChar char="•"/>
-            </a:pPr>
-            <a:r>
-              <a:rPr lang="sv-SE" dirty="0"/>
-              <a:t>Sälja</a:t>
+              <a:t>Sälj</a:t>
             </a:r>
           </a:p>
         </p:txBody>
@@ -9342,107 +9291,37 @@
             </a:pPr>
             <a:r>
               <a:rPr lang="sv-SE" dirty="0"/>
-              <a:t>Vilka </a:t>
-            </a:r>
-            <a:r>
-              <a:rPr lang="sv-SE" dirty="0" err="1"/>
-              <a:t>key</a:t>
-            </a:r>
-            <a:r>
-              <a:rPr lang="sv-SE" dirty="0"/>
-              <a:t> </a:t>
-            </a:r>
-            <a:r>
-              <a:rPr lang="sv-SE" dirty="0" err="1"/>
-              <a:t>resources</a:t>
-            </a:r>
-            <a:r>
-              <a:rPr lang="sv-SE" dirty="0"/>
-              <a:t> kräver vår:</a:t>
-            </a:r>
-          </a:p>
-          <a:p>
-            <a:pPr marL="742950" lvl="1" indent="-285750">
+              <a:t>Anställda</a:t>
+            </a:r>
+          </a:p>
+          <a:p>
+            <a:pPr marL="285750" indent="-285750">
               <a:buFont typeface="Arial" panose="020B0604020202020204" pitchFamily="34" charset="0"/>
               <a:buChar char="•"/>
             </a:pPr>
             <a:r>
-              <a:rPr lang="sv-SE" dirty="0" err="1"/>
-              <a:t>Value</a:t>
-            </a:r>
-            <a:r>
               <a:rPr lang="sv-SE" dirty="0"/>
-              <a:t> Proposition?</a:t>
-            </a:r>
-          </a:p>
-          <a:p>
-            <a:pPr marL="1200150" lvl="2" indent="-285750">
+              <a:t>Aktiva användare</a:t>
+            </a:r>
+          </a:p>
+          <a:p>
+            <a:pPr marL="285750" indent="-285750">
               <a:buFont typeface="Arial" panose="020B0604020202020204" pitchFamily="34" charset="0"/>
               <a:buChar char="•"/>
             </a:pPr>
             <a:r>
               <a:rPr lang="sv-SE" dirty="0"/>
-              <a:t>Datorer</a:t>
-            </a:r>
-          </a:p>
-          <a:p>
-            <a:pPr marL="1200150" lvl="2" indent="-285750">
+              <a:t>Hemsida</a:t>
+            </a:r>
+          </a:p>
+          <a:p>
+            <a:pPr marL="285750" indent="-285750">
               <a:buFont typeface="Arial" panose="020B0604020202020204" pitchFamily="34" charset="0"/>
               <a:buChar char="•"/>
             </a:pPr>
             <a:r>
               <a:rPr lang="sv-SE" dirty="0"/>
-              <a:t>Server</a:t>
-            </a:r>
-          </a:p>
-          <a:p>
-            <a:pPr marL="1200150" lvl="2" indent="-285750">
-              <a:buFont typeface="Arial" panose="020B0604020202020204" pitchFamily="34" charset="0"/>
-              <a:buChar char="•"/>
-            </a:pPr>
-            <a:r>
-              <a:rPr lang="sv-SE" dirty="0"/>
-              <a:t>Eventuell konsultering</a:t>
-            </a:r>
-          </a:p>
-          <a:p>
-            <a:pPr marL="742950" lvl="1" indent="-285750">
-              <a:buFont typeface="Arial" panose="020B0604020202020204" pitchFamily="34" charset="0"/>
-              <a:buChar char="•"/>
-            </a:pPr>
-            <a:r>
-              <a:rPr lang="sv-SE" dirty="0"/>
-              <a:t>Distributionskanal?</a:t>
-            </a:r>
-          </a:p>
-          <a:p>
-            <a:pPr marL="1200150" lvl="2" indent="-285750">
-              <a:buFont typeface="Arial" panose="020B0604020202020204" pitchFamily="34" charset="0"/>
-              <a:buChar char="•"/>
-            </a:pPr>
-            <a:r>
-              <a:rPr lang="sv-SE" dirty="0"/>
-              <a:t>Marknadsföringsplattformar</a:t>
-            </a:r>
-          </a:p>
-          <a:p>
-            <a:pPr marL="742950" lvl="1" indent="-285750">
-              <a:buFont typeface="Arial" panose="020B0604020202020204" pitchFamily="34" charset="0"/>
-              <a:buChar char="•"/>
-            </a:pPr>
-            <a:r>
-              <a:rPr lang="sv-SE" dirty="0"/>
-              <a:t>Intäkter?</a:t>
-            </a:r>
-          </a:p>
-          <a:p>
-            <a:pPr marL="1200150" lvl="2" indent="-285750">
-              <a:buFont typeface="Arial" panose="020B0604020202020204" pitchFamily="34" charset="0"/>
-              <a:buChar char="•"/>
-            </a:pPr>
-            <a:r>
-              <a:rPr lang="sv-SE" dirty="0"/>
-              <a:t>Prenumerationstjänst</a:t>
+              <a:t>Data från beställaren</a:t>
             </a:r>
           </a:p>
         </p:txBody>
